--- a/ietf-102/ietf-102-rift-hackathon-slides.pptx
+++ b/ietf-102/ietf-102-rift-hackathon-slides.pptx
@@ -3105,7 +3105,7 @@
             </a:br>
             <a:r>
               <a:rPr lang="en-US" b="1" dirty="0"/>
-              <a:t>LIE FSM adjacency in state 3-way</a:t>
+              <a:t>LIE FSM adjacency in state 3-way (IPv4)</a:t>
             </a:r>
             <a:endParaRPr lang="en-US" dirty="0"/>
           </a:p>
@@ -3114,6 +3114,28 @@
               <a:rPr lang="en-US" dirty="0"/>
               <a:t>Very detailed interoperability report:</a:t>
             </a:r>
+            <a:br>
+              <a:rPr lang="en-US" dirty="0"/>
+            </a:br>
+            <a:r>
+              <a:rPr lang="en-US" dirty="0">
+                <a:hlinkClick r:id="rId2"/>
+              </a:rPr>
+              <a:t>http://</a:t>
+            </a:r>
+            <a:r>
+              <a:rPr lang="en-US" dirty="0" err="1">
+                <a:hlinkClick r:id="rId2"/>
+              </a:rPr>
+              <a:t>bit.ly</a:t>
+            </a:r>
+            <a:r>
+              <a:rPr lang="en-US" dirty="0">
+                <a:hlinkClick r:id="rId2"/>
+              </a:rPr>
+              <a:t>/ietf-102-rift-hackathon-interop-report</a:t>
+            </a:r>
+            <a:endParaRPr lang="en-US" dirty="0"/>
           </a:p>
           <a:p>
             <a:r>
@@ -3137,8 +3159,8 @@
               <a:rPr lang="en-US" dirty="0"/>
             </a:br>
             <a:r>
-              <a:rPr lang="en-US" b="1" dirty="0">
-                <a:hlinkClick r:id="rId2"/>
+              <a:rPr lang="en-US" dirty="0">
+                <a:hlinkClick r:id="rId3"/>
               </a:rPr>
               <a:t>http://bit.ly/rift-comments</a:t>
             </a:r>

--- a/ietf-102/ietf-102-rift-hackathon-slides.pptx
+++ b/ietf-102/ietf-102-rift-hackathon-slides.pptx
@@ -2675,7 +2675,13 @@
               <a:rPr lang="en-US" dirty="0">
                 <a:hlinkClick r:id="rId2"/>
               </a:rPr>
-              <a:t>https://github.com/brunorijsman/rift-fsm</a:t>
+              <a:t>https://github.com/brunorijsman</a:t>
+            </a:r>
+            <a:r>
+              <a:rPr lang="en-US">
+                <a:hlinkClick r:id="rId2"/>
+              </a:rPr>
+              <a:t>/rift-python</a:t>
             </a:r>
             <a:endParaRPr lang="en-US" dirty="0"/>
           </a:p>

--- a/ietf-102/ietf-102-rift-hackathon-slides.pptx
+++ b/ietf-102/ietf-102-rift-hackathon-slides.pptx
@@ -207,7 +207,7 @@
           <a:p>
             <a:fld id="{A08FE638-260D-B941-8E8C-D2CC58B1EB6A}" type="datetimeFigureOut">
               <a:rPr lang="en-US" smtClean="0"/>
-              <a:t>7/18/18</a:t>
+              <a:t>7/19/18</a:t>
             </a:fld>
             <a:endParaRPr lang="en-US"/>
           </a:p>
@@ -3182,8 +3182,13 @@
           <a:p>
             <a:r>
               <a:rPr lang="en-US" dirty="0"/>
-              <a:t>Substantive and editorial discussions about the specification</a:t>
-            </a:r>
+              <a:t>Additional minor comments on draft </a:t>
+            </a:r>
+            <a:r>
+              <a:rPr lang="en-US"/>
+              <a:t>while implementing ZTP</a:t>
+            </a:r>
+            <a:endParaRPr lang="en-US" dirty="0"/>
           </a:p>
           <a:p>
             <a:endParaRPr lang="en-US" dirty="0"/>

--- a/ietf-102/ietf-102-rift-hackathon-slides.pptx
+++ b/ietf-102/ietf-102-rift-hackathon-slides.pptx
@@ -207,7 +207,7 @@
           <a:p>
             <a:fld id="{A08FE638-260D-B941-8E8C-D2CC58B1EB6A}" type="datetimeFigureOut">
               <a:rPr lang="en-US" smtClean="0"/>
-              <a:t>7/19/18</a:t>
+              <a:t>7/20/18</a:t>
             </a:fld>
             <a:endParaRPr lang="en-US"/>
           </a:p>
@@ -1705,6 +1705,49 @@
               <a:t>1</a:t>
             </a:fld>
             <a:endParaRPr lang="en-US" dirty="0"/>
+          </a:p>
+        </p:txBody>
+      </p:sp>
+      <p:sp>
+        <p:nvSpPr>
+          <p:cNvPr id="5" name="TextBox 4">
+            <a:extLst>
+              <a:ext uri="{FF2B5EF4-FFF2-40B4-BE49-F238E27FC236}">
+                <a16:creationId xmlns:a16="http://schemas.microsoft.com/office/drawing/2014/main" id="{B6F2BFCD-31EB-7F43-B283-28AD8DE9724F}"/>
+              </a:ext>
+            </a:extLst>
+          </p:cNvPr>
+          <p:cNvSpPr txBox="1"/>
+          <p:nvPr/>
+        </p:nvSpPr>
+        <p:spPr>
+          <a:xfrm>
+            <a:off x="4006485" y="6352143"/>
+            <a:ext cx="4179029" cy="369332"/>
+          </a:xfrm>
+          <a:prstGeom prst="rect">
+            <a:avLst/>
+          </a:prstGeom>
+          <a:noFill/>
+        </p:spPr>
+        <p:txBody>
+          <a:bodyPr wrap="none" rtlCol="0">
+            <a:spAutoFit/>
+          </a:bodyPr>
+          <a:lstStyle/>
+          <a:p>
+            <a:r>
+              <a:rPr lang="en-US" dirty="0"/>
+              <a:t>Bruno Rijsman (</a:t>
+            </a:r>
+            <a:r>
+              <a:rPr lang="en-US" dirty="0" err="1"/>
+              <a:t>brunorijsman@gmail.com</a:t>
+            </a:r>
+            <a:r>
+              <a:rPr lang="en-US" dirty="0"/>
+              <a:t>)</a:t>
+            </a:r>
           </a:p>
         </p:txBody>
       </p:sp>
